--- a/Document/Throtte.pptx
+++ b/Document/Throtte.pptx
@@ -197,7 +197,7 @@
           <a:p>
             <a:fld id="{47EEDCD2-728F-432D-970E-9A91E7310F21}" type="datetimeFigureOut">
               <a:rPr lang="en-US" smtClean="0"/>
-              <a:t>3/26/2022</a:t>
+              <a:t>7/1/2022</a:t>
             </a:fld>
             <a:endParaRPr lang="en-US"/>
           </a:p>
@@ -261,38 +261,37 @@
           <a:p>
             <a:pPr lvl="0"/>
             <a:r>
-              <a:rPr lang="en-US" smtClean="0"/>
+              <a:rPr lang="en-US"/>
               <a:t>Edit Master text styles</a:t>
             </a:r>
           </a:p>
           <a:p>
             <a:pPr lvl="1"/>
             <a:r>
-              <a:rPr lang="en-US" smtClean="0"/>
+              <a:rPr lang="en-US"/>
               <a:t>Second level</a:t>
             </a:r>
           </a:p>
           <a:p>
             <a:pPr lvl="2"/>
             <a:r>
-              <a:rPr lang="en-US" smtClean="0"/>
+              <a:rPr lang="en-US"/>
               <a:t>Third level</a:t>
             </a:r>
           </a:p>
           <a:p>
             <a:pPr lvl="3"/>
             <a:r>
-              <a:rPr lang="en-US" smtClean="0"/>
+              <a:rPr lang="en-US"/>
               <a:t>Fourth level</a:t>
             </a:r>
           </a:p>
           <a:p>
             <a:pPr lvl="4"/>
             <a:r>
-              <a:rPr lang="en-US" smtClean="0"/>
+              <a:rPr lang="en-US"/>
               <a:t>Fifth level</a:t>
             </a:r>
-            <a:endParaRPr lang="en-US"/>
           </a:p>
         </p:txBody>
       </p:sp>
@@ -591,10 +590,9 @@
           </a:lstStyle>
           <a:p>
             <a:r>
-              <a:rPr lang="en-US" smtClean="0"/>
+              <a:rPr lang="en-US"/>
               <a:t>Click to edit Master title style</a:t>
             </a:r>
-            <a:endParaRPr lang="en-US"/>
           </a:p>
         </p:txBody>
       </p:sp>
@@ -656,10 +654,9 @@
           </a:lstStyle>
           <a:p>
             <a:r>
-              <a:rPr lang="en-US" smtClean="0"/>
+              <a:rPr lang="en-US"/>
               <a:t>Click to edit Master subtitle style</a:t>
             </a:r>
-            <a:endParaRPr lang="en-US"/>
           </a:p>
         </p:txBody>
       </p:sp>
@@ -680,7 +677,7 @@
           <a:p>
             <a:fld id="{691E9CA0-F14C-4433-A523-8ECE1B71AA5B}" type="datetimeFigureOut">
               <a:rPr lang="en-US" smtClean="0"/>
-              <a:t>3/26/2022</a:t>
+              <a:t>7/1/2022</a:t>
             </a:fld>
             <a:endParaRPr lang="en-US"/>
           </a:p>
@@ -774,10 +771,9 @@
           <a:lstStyle/>
           <a:p>
             <a:r>
-              <a:rPr lang="en-US" smtClean="0"/>
+              <a:rPr lang="en-US"/>
               <a:t>Click to edit Master title style</a:t>
             </a:r>
-            <a:endParaRPr lang="en-US"/>
           </a:p>
         </p:txBody>
       </p:sp>
@@ -798,38 +794,37 @@
           <a:p>
             <a:pPr lvl="0"/>
             <a:r>
-              <a:rPr lang="en-US" smtClean="0"/>
+              <a:rPr lang="en-US"/>
               <a:t>Edit Master text styles</a:t>
             </a:r>
           </a:p>
           <a:p>
             <a:pPr lvl="1"/>
             <a:r>
-              <a:rPr lang="en-US" smtClean="0"/>
+              <a:rPr lang="en-US"/>
               <a:t>Second level</a:t>
             </a:r>
           </a:p>
           <a:p>
             <a:pPr lvl="2"/>
             <a:r>
-              <a:rPr lang="en-US" smtClean="0"/>
+              <a:rPr lang="en-US"/>
               <a:t>Third level</a:t>
             </a:r>
           </a:p>
           <a:p>
             <a:pPr lvl="3"/>
             <a:r>
-              <a:rPr lang="en-US" smtClean="0"/>
+              <a:rPr lang="en-US"/>
               <a:t>Fourth level</a:t>
             </a:r>
           </a:p>
           <a:p>
             <a:pPr lvl="4"/>
             <a:r>
-              <a:rPr lang="en-US" smtClean="0"/>
+              <a:rPr lang="en-US"/>
               <a:t>Fifth level</a:t>
             </a:r>
-            <a:endParaRPr lang="en-US"/>
           </a:p>
         </p:txBody>
       </p:sp>
@@ -850,7 +845,7 @@
           <a:p>
             <a:fld id="{691E9CA0-F14C-4433-A523-8ECE1B71AA5B}" type="datetimeFigureOut">
               <a:rPr lang="en-US" smtClean="0"/>
-              <a:t>3/26/2022</a:t>
+              <a:t>7/1/2022</a:t>
             </a:fld>
             <a:endParaRPr lang="en-US"/>
           </a:p>
@@ -949,10 +944,9 @@
           <a:lstStyle/>
           <a:p>
             <a:r>
-              <a:rPr lang="en-US" smtClean="0"/>
+              <a:rPr lang="en-US"/>
               <a:t>Click to edit Master title style</a:t>
             </a:r>
-            <a:endParaRPr lang="en-US"/>
           </a:p>
         </p:txBody>
       </p:sp>
@@ -978,38 +972,37 @@
           <a:p>
             <a:pPr lvl="0"/>
             <a:r>
-              <a:rPr lang="en-US" smtClean="0"/>
+              <a:rPr lang="en-US"/>
               <a:t>Edit Master text styles</a:t>
             </a:r>
           </a:p>
           <a:p>
             <a:pPr lvl="1"/>
             <a:r>
-              <a:rPr lang="en-US" smtClean="0"/>
+              <a:rPr lang="en-US"/>
               <a:t>Second level</a:t>
             </a:r>
           </a:p>
           <a:p>
             <a:pPr lvl="2"/>
             <a:r>
-              <a:rPr lang="en-US" smtClean="0"/>
+              <a:rPr lang="en-US"/>
               <a:t>Third level</a:t>
             </a:r>
           </a:p>
           <a:p>
             <a:pPr lvl="3"/>
             <a:r>
-              <a:rPr lang="en-US" smtClean="0"/>
+              <a:rPr lang="en-US"/>
               <a:t>Fourth level</a:t>
             </a:r>
           </a:p>
           <a:p>
             <a:pPr lvl="4"/>
             <a:r>
-              <a:rPr lang="en-US" smtClean="0"/>
+              <a:rPr lang="en-US"/>
               <a:t>Fifth level</a:t>
             </a:r>
-            <a:endParaRPr lang="en-US"/>
           </a:p>
         </p:txBody>
       </p:sp>
@@ -1030,7 +1023,7 @@
           <a:p>
             <a:fld id="{691E9CA0-F14C-4433-A523-8ECE1B71AA5B}" type="datetimeFigureOut">
               <a:rPr lang="en-US" smtClean="0"/>
-              <a:t>3/26/2022</a:t>
+              <a:t>7/1/2022</a:t>
             </a:fld>
             <a:endParaRPr lang="en-US"/>
           </a:p>
@@ -1124,10 +1117,9 @@
           <a:lstStyle/>
           <a:p>
             <a:r>
-              <a:rPr lang="en-US" smtClean="0"/>
+              <a:rPr lang="en-US"/>
               <a:t>Click to edit Master title style</a:t>
             </a:r>
-            <a:endParaRPr lang="en-US"/>
           </a:p>
         </p:txBody>
       </p:sp>
@@ -1148,38 +1140,37 @@
           <a:p>
             <a:pPr lvl="0"/>
             <a:r>
-              <a:rPr lang="en-US" smtClean="0"/>
+              <a:rPr lang="en-US"/>
               <a:t>Edit Master text styles</a:t>
             </a:r>
           </a:p>
           <a:p>
             <a:pPr lvl="1"/>
             <a:r>
-              <a:rPr lang="en-US" smtClean="0"/>
+              <a:rPr lang="en-US"/>
               <a:t>Second level</a:t>
             </a:r>
           </a:p>
           <a:p>
             <a:pPr lvl="2"/>
             <a:r>
-              <a:rPr lang="en-US" smtClean="0"/>
+              <a:rPr lang="en-US"/>
               <a:t>Third level</a:t>
             </a:r>
           </a:p>
           <a:p>
             <a:pPr lvl="3"/>
             <a:r>
-              <a:rPr lang="en-US" smtClean="0"/>
+              <a:rPr lang="en-US"/>
               <a:t>Fourth level</a:t>
             </a:r>
           </a:p>
           <a:p>
             <a:pPr lvl="4"/>
             <a:r>
-              <a:rPr lang="en-US" smtClean="0"/>
+              <a:rPr lang="en-US"/>
               <a:t>Fifth level</a:t>
             </a:r>
-            <a:endParaRPr lang="en-US"/>
           </a:p>
         </p:txBody>
       </p:sp>
@@ -1200,7 +1191,7 @@
           <a:p>
             <a:fld id="{691E9CA0-F14C-4433-A523-8ECE1B71AA5B}" type="datetimeFigureOut">
               <a:rPr lang="en-US" smtClean="0"/>
-              <a:t>3/26/2022</a:t>
+              <a:t>7/1/2022</a:t>
             </a:fld>
             <a:endParaRPr lang="en-US"/>
           </a:p>
@@ -1303,10 +1294,9 @@
           </a:lstStyle>
           <a:p>
             <a:r>
-              <a:rPr lang="en-US" smtClean="0"/>
+              <a:rPr lang="en-US"/>
               <a:t>Click to edit Master title style</a:t>
             </a:r>
-            <a:endParaRPr lang="en-US"/>
           </a:p>
         </p:txBody>
       </p:sp>
@@ -1423,7 +1413,7 @@
           <a:p>
             <a:pPr lvl="0"/>
             <a:r>
-              <a:rPr lang="en-US" smtClean="0"/>
+              <a:rPr lang="en-US"/>
               <a:t>Edit Master text styles</a:t>
             </a:r>
           </a:p>
@@ -1446,7 +1436,7 @@
           <a:p>
             <a:fld id="{691E9CA0-F14C-4433-A523-8ECE1B71AA5B}" type="datetimeFigureOut">
               <a:rPr lang="en-US" smtClean="0"/>
-              <a:t>3/26/2022</a:t>
+              <a:t>7/1/2022</a:t>
             </a:fld>
             <a:endParaRPr lang="en-US"/>
           </a:p>
@@ -1540,10 +1530,9 @@
           <a:lstStyle/>
           <a:p>
             <a:r>
-              <a:rPr lang="en-US" smtClean="0"/>
+              <a:rPr lang="en-US"/>
               <a:t>Click to edit Master title style</a:t>
             </a:r>
-            <a:endParaRPr lang="en-US"/>
           </a:p>
         </p:txBody>
       </p:sp>
@@ -1569,38 +1558,37 @@
           <a:p>
             <a:pPr lvl="0"/>
             <a:r>
-              <a:rPr lang="en-US" smtClean="0"/>
+              <a:rPr lang="en-US"/>
               <a:t>Edit Master text styles</a:t>
             </a:r>
           </a:p>
           <a:p>
             <a:pPr lvl="1"/>
             <a:r>
-              <a:rPr lang="en-US" smtClean="0"/>
+              <a:rPr lang="en-US"/>
               <a:t>Second level</a:t>
             </a:r>
           </a:p>
           <a:p>
             <a:pPr lvl="2"/>
             <a:r>
-              <a:rPr lang="en-US" smtClean="0"/>
+              <a:rPr lang="en-US"/>
               <a:t>Third level</a:t>
             </a:r>
           </a:p>
           <a:p>
             <a:pPr lvl="3"/>
             <a:r>
-              <a:rPr lang="en-US" smtClean="0"/>
+              <a:rPr lang="en-US"/>
               <a:t>Fourth level</a:t>
             </a:r>
           </a:p>
           <a:p>
             <a:pPr lvl="4"/>
             <a:r>
-              <a:rPr lang="en-US" smtClean="0"/>
+              <a:rPr lang="en-US"/>
               <a:t>Fifth level</a:t>
             </a:r>
-            <a:endParaRPr lang="en-US"/>
           </a:p>
         </p:txBody>
       </p:sp>
@@ -1626,38 +1614,37 @@
           <a:p>
             <a:pPr lvl="0"/>
             <a:r>
-              <a:rPr lang="en-US" smtClean="0"/>
+              <a:rPr lang="en-US"/>
               <a:t>Edit Master text styles</a:t>
             </a:r>
           </a:p>
           <a:p>
             <a:pPr lvl="1"/>
             <a:r>
-              <a:rPr lang="en-US" smtClean="0"/>
+              <a:rPr lang="en-US"/>
               <a:t>Second level</a:t>
             </a:r>
           </a:p>
           <a:p>
             <a:pPr lvl="2"/>
             <a:r>
-              <a:rPr lang="en-US" smtClean="0"/>
+              <a:rPr lang="en-US"/>
               <a:t>Third level</a:t>
             </a:r>
           </a:p>
           <a:p>
             <a:pPr lvl="3"/>
             <a:r>
-              <a:rPr lang="en-US" smtClean="0"/>
+              <a:rPr lang="en-US"/>
               <a:t>Fourth level</a:t>
             </a:r>
           </a:p>
           <a:p>
             <a:pPr lvl="4"/>
             <a:r>
-              <a:rPr lang="en-US" smtClean="0"/>
+              <a:rPr lang="en-US"/>
               <a:t>Fifth level</a:t>
             </a:r>
-            <a:endParaRPr lang="en-US"/>
           </a:p>
         </p:txBody>
       </p:sp>
@@ -1678,7 +1665,7 @@
           <a:p>
             <a:fld id="{691E9CA0-F14C-4433-A523-8ECE1B71AA5B}" type="datetimeFigureOut">
               <a:rPr lang="en-US" smtClean="0"/>
-              <a:t>3/26/2022</a:t>
+              <a:t>7/1/2022</a:t>
             </a:fld>
             <a:endParaRPr lang="en-US"/>
           </a:p>
@@ -1777,10 +1764,9 @@
           <a:lstStyle/>
           <a:p>
             <a:r>
-              <a:rPr lang="en-US" smtClean="0"/>
+              <a:rPr lang="en-US"/>
               <a:t>Click to edit Master title style</a:t>
             </a:r>
-            <a:endParaRPr lang="en-US"/>
           </a:p>
         </p:txBody>
       </p:sp>
@@ -1843,7 +1829,7 @@
           <a:p>
             <a:pPr lvl="0"/>
             <a:r>
-              <a:rPr lang="en-US" smtClean="0"/>
+              <a:rPr lang="en-US"/>
               <a:t>Edit Master text styles</a:t>
             </a:r>
           </a:p>
@@ -1871,38 +1857,37 @@
           <a:p>
             <a:pPr lvl="0"/>
             <a:r>
-              <a:rPr lang="en-US" smtClean="0"/>
+              <a:rPr lang="en-US"/>
               <a:t>Edit Master text styles</a:t>
             </a:r>
           </a:p>
           <a:p>
             <a:pPr lvl="1"/>
             <a:r>
-              <a:rPr lang="en-US" smtClean="0"/>
+              <a:rPr lang="en-US"/>
               <a:t>Second level</a:t>
             </a:r>
           </a:p>
           <a:p>
             <a:pPr lvl="2"/>
             <a:r>
-              <a:rPr lang="en-US" smtClean="0"/>
+              <a:rPr lang="en-US"/>
               <a:t>Third level</a:t>
             </a:r>
           </a:p>
           <a:p>
             <a:pPr lvl="3"/>
             <a:r>
-              <a:rPr lang="en-US" smtClean="0"/>
+              <a:rPr lang="en-US"/>
               <a:t>Fourth level</a:t>
             </a:r>
           </a:p>
           <a:p>
             <a:pPr lvl="4"/>
             <a:r>
-              <a:rPr lang="en-US" smtClean="0"/>
+              <a:rPr lang="en-US"/>
               <a:t>Fifth level</a:t>
             </a:r>
-            <a:endParaRPr lang="en-US"/>
           </a:p>
         </p:txBody>
       </p:sp>
@@ -1965,7 +1950,7 @@
           <a:p>
             <a:pPr lvl="0"/>
             <a:r>
-              <a:rPr lang="en-US" smtClean="0"/>
+              <a:rPr lang="en-US"/>
               <a:t>Edit Master text styles</a:t>
             </a:r>
           </a:p>
@@ -1993,38 +1978,37 @@
           <a:p>
             <a:pPr lvl="0"/>
             <a:r>
-              <a:rPr lang="en-US" smtClean="0"/>
+              <a:rPr lang="en-US"/>
               <a:t>Edit Master text styles</a:t>
             </a:r>
           </a:p>
           <a:p>
             <a:pPr lvl="1"/>
             <a:r>
-              <a:rPr lang="en-US" smtClean="0"/>
+              <a:rPr lang="en-US"/>
               <a:t>Second level</a:t>
             </a:r>
           </a:p>
           <a:p>
             <a:pPr lvl="2"/>
             <a:r>
-              <a:rPr lang="en-US" smtClean="0"/>
+              <a:rPr lang="en-US"/>
               <a:t>Third level</a:t>
             </a:r>
           </a:p>
           <a:p>
             <a:pPr lvl="3"/>
             <a:r>
-              <a:rPr lang="en-US" smtClean="0"/>
+              <a:rPr lang="en-US"/>
               <a:t>Fourth level</a:t>
             </a:r>
           </a:p>
           <a:p>
             <a:pPr lvl="4"/>
             <a:r>
-              <a:rPr lang="en-US" smtClean="0"/>
+              <a:rPr lang="en-US"/>
               <a:t>Fifth level</a:t>
             </a:r>
-            <a:endParaRPr lang="en-US"/>
           </a:p>
         </p:txBody>
       </p:sp>
@@ -2045,7 +2029,7 @@
           <a:p>
             <a:fld id="{691E9CA0-F14C-4433-A523-8ECE1B71AA5B}" type="datetimeFigureOut">
               <a:rPr lang="en-US" smtClean="0"/>
-              <a:t>3/26/2022</a:t>
+              <a:t>7/1/2022</a:t>
             </a:fld>
             <a:endParaRPr lang="en-US"/>
           </a:p>
@@ -2139,10 +2123,9 @@
           <a:lstStyle/>
           <a:p>
             <a:r>
-              <a:rPr lang="en-US" smtClean="0"/>
+              <a:rPr lang="en-US"/>
               <a:t>Click to edit Master title style</a:t>
             </a:r>
-            <a:endParaRPr lang="en-US"/>
           </a:p>
         </p:txBody>
       </p:sp>
@@ -2163,7 +2146,7 @@
           <a:p>
             <a:fld id="{691E9CA0-F14C-4433-A523-8ECE1B71AA5B}" type="datetimeFigureOut">
               <a:rPr lang="en-US" smtClean="0"/>
-              <a:t>3/26/2022</a:t>
+              <a:t>7/1/2022</a:t>
             </a:fld>
             <a:endParaRPr lang="en-US"/>
           </a:p>
@@ -2258,7 +2241,7 @@
           <a:p>
             <a:fld id="{691E9CA0-F14C-4433-A523-8ECE1B71AA5B}" type="datetimeFigureOut">
               <a:rPr lang="en-US" smtClean="0"/>
-              <a:t>3/26/2022</a:t>
+              <a:t>7/1/2022</a:t>
             </a:fld>
             <a:endParaRPr lang="en-US"/>
           </a:p>
@@ -2361,10 +2344,9 @@
           </a:lstStyle>
           <a:p>
             <a:r>
-              <a:rPr lang="en-US" smtClean="0"/>
+              <a:rPr lang="en-US"/>
               <a:t>Click to edit Master title style</a:t>
             </a:r>
-            <a:endParaRPr lang="en-US"/>
           </a:p>
         </p:txBody>
       </p:sp>
@@ -2418,38 +2400,37 @@
           <a:p>
             <a:pPr lvl="0"/>
             <a:r>
-              <a:rPr lang="en-US" smtClean="0"/>
+              <a:rPr lang="en-US"/>
               <a:t>Edit Master text styles</a:t>
             </a:r>
           </a:p>
           <a:p>
             <a:pPr lvl="1"/>
             <a:r>
-              <a:rPr lang="en-US" smtClean="0"/>
+              <a:rPr lang="en-US"/>
               <a:t>Second level</a:t>
             </a:r>
           </a:p>
           <a:p>
             <a:pPr lvl="2"/>
             <a:r>
-              <a:rPr lang="en-US" smtClean="0"/>
+              <a:rPr lang="en-US"/>
               <a:t>Third level</a:t>
             </a:r>
           </a:p>
           <a:p>
             <a:pPr lvl="3"/>
             <a:r>
-              <a:rPr lang="en-US" smtClean="0"/>
+              <a:rPr lang="en-US"/>
               <a:t>Fourth level</a:t>
             </a:r>
           </a:p>
           <a:p>
             <a:pPr lvl="4"/>
             <a:r>
-              <a:rPr lang="en-US" smtClean="0"/>
+              <a:rPr lang="en-US"/>
               <a:t>Fifth level</a:t>
             </a:r>
-            <a:endParaRPr lang="en-US"/>
           </a:p>
         </p:txBody>
       </p:sp>
@@ -2512,7 +2493,7 @@
           <a:p>
             <a:pPr lvl="0"/>
             <a:r>
-              <a:rPr lang="en-US" smtClean="0"/>
+              <a:rPr lang="en-US"/>
               <a:t>Edit Master text styles</a:t>
             </a:r>
           </a:p>
@@ -2535,7 +2516,7 @@
           <a:p>
             <a:fld id="{691E9CA0-F14C-4433-A523-8ECE1B71AA5B}" type="datetimeFigureOut">
               <a:rPr lang="en-US" smtClean="0"/>
-              <a:t>3/26/2022</a:t>
+              <a:t>7/1/2022</a:t>
             </a:fld>
             <a:endParaRPr lang="en-US"/>
           </a:p>
@@ -2638,10 +2619,9 @@
           </a:lstStyle>
           <a:p>
             <a:r>
-              <a:rPr lang="en-US" smtClean="0"/>
+              <a:rPr lang="en-US"/>
               <a:t>Click to edit Master title style</a:t>
             </a:r>
-            <a:endParaRPr lang="en-US"/>
           </a:p>
         </p:txBody>
       </p:sp>
@@ -2765,7 +2745,7 @@
           <a:p>
             <a:pPr lvl="0"/>
             <a:r>
-              <a:rPr lang="en-US" smtClean="0"/>
+              <a:rPr lang="en-US"/>
               <a:t>Edit Master text styles</a:t>
             </a:r>
           </a:p>
@@ -2788,7 +2768,7 @@
           <a:p>
             <a:fld id="{691E9CA0-F14C-4433-A523-8ECE1B71AA5B}" type="datetimeFigureOut">
               <a:rPr lang="en-US" smtClean="0"/>
-              <a:t>3/26/2022</a:t>
+              <a:t>7/1/2022</a:t>
             </a:fld>
             <a:endParaRPr lang="en-US"/>
           </a:p>
@@ -2897,10 +2877,9 @@
           <a:lstStyle/>
           <a:p>
             <a:r>
-              <a:rPr lang="en-US" smtClean="0"/>
+              <a:rPr lang="en-US"/>
               <a:t>Click to edit Master title style</a:t>
             </a:r>
-            <a:endParaRPr lang="en-US"/>
           </a:p>
         </p:txBody>
       </p:sp>
@@ -2931,38 +2910,37 @@
           <a:p>
             <a:pPr lvl="0"/>
             <a:r>
-              <a:rPr lang="en-US" smtClean="0"/>
+              <a:rPr lang="en-US"/>
               <a:t>Edit Master text styles</a:t>
             </a:r>
           </a:p>
           <a:p>
             <a:pPr lvl="1"/>
             <a:r>
-              <a:rPr lang="en-US" smtClean="0"/>
+              <a:rPr lang="en-US"/>
               <a:t>Second level</a:t>
             </a:r>
           </a:p>
           <a:p>
             <a:pPr lvl="2"/>
             <a:r>
-              <a:rPr lang="en-US" smtClean="0"/>
+              <a:rPr lang="en-US"/>
               <a:t>Third level</a:t>
             </a:r>
           </a:p>
           <a:p>
             <a:pPr lvl="3"/>
             <a:r>
-              <a:rPr lang="en-US" smtClean="0"/>
+              <a:rPr lang="en-US"/>
               <a:t>Fourth level</a:t>
             </a:r>
           </a:p>
           <a:p>
             <a:pPr lvl="4"/>
             <a:r>
-              <a:rPr lang="en-US" smtClean="0"/>
+              <a:rPr lang="en-US"/>
               <a:t>Fifth level</a:t>
             </a:r>
-            <a:endParaRPr lang="en-US"/>
           </a:p>
         </p:txBody>
       </p:sp>
@@ -3001,7 +2979,7 @@
           <a:p>
             <a:fld id="{691E9CA0-F14C-4433-A523-8ECE1B71AA5B}" type="datetimeFigureOut">
               <a:rPr lang="en-US" smtClean="0"/>
-              <a:t>3/26/2022</a:t>
+              <a:t>7/1/2022</a:t>
             </a:fld>
             <a:endParaRPr lang="en-US"/>
           </a:p>
@@ -3433,7 +3411,21 @@
                 <a:latin typeface="Arial" panose="020B0604020202020204" pitchFamily="34" charset="0"/>
                 <a:cs typeface="Arial" panose="020B0604020202020204" pitchFamily="34" charset="0"/>
               </a:rPr>
-              <a:t>Parts needed to install the damper to your Clutch unit.</a:t>
+              <a:t>Parts needed to install the damper </a:t>
+            </a:r>
+            <a:r>
+              <a:rPr lang="en-US" sz="1200" b="1">
+                <a:latin typeface="Arial" panose="020B0604020202020204" pitchFamily="34" charset="0"/>
+                <a:cs typeface="Arial" panose="020B0604020202020204" pitchFamily="34" charset="0"/>
+              </a:rPr>
+              <a:t>to throttle </a:t>
+            </a:r>
+            <a:r>
+              <a:rPr lang="en-US" sz="1200" b="1" dirty="0">
+                <a:latin typeface="Arial" panose="020B0604020202020204" pitchFamily="34" charset="0"/>
+                <a:cs typeface="Arial" panose="020B0604020202020204" pitchFamily="34" charset="0"/>
+              </a:rPr>
+              <a:t>unit.</a:t>
             </a:r>
           </a:p>
         </p:txBody>
@@ -3493,16 +3485,12 @@
           <a:lstStyle/>
           <a:p>
             <a:r>
-              <a:rPr lang="en-US" sz="1200" b="1" dirty="0" smtClean="0">
+              <a:rPr lang="en-US" sz="1200" b="1" dirty="0">
                 <a:latin typeface="Arial" panose="020B0604020202020204" pitchFamily="34" charset="0"/>
                 <a:cs typeface="Arial" panose="020B0604020202020204" pitchFamily="34" charset="0"/>
               </a:rPr>
               <a:t>Step 2: Replace the spring assembly with the damper cylinder</a:t>
             </a:r>
-            <a:endParaRPr lang="en-US" sz="1200" b="1" dirty="0">
-              <a:latin typeface="Arial" panose="020B0604020202020204" pitchFamily="34" charset="0"/>
-              <a:cs typeface="Arial" panose="020B0604020202020204" pitchFamily="34" charset="0"/>
-            </a:endParaRPr>
           </a:p>
         </p:txBody>
       </p:sp>
@@ -3584,16 +3572,12 @@
           <a:lstStyle/>
           <a:p>
             <a:r>
-              <a:rPr lang="en-US" sz="900" dirty="0" smtClean="0">
+              <a:rPr lang="en-US" sz="900" dirty="0">
                 <a:latin typeface="Arial" panose="020B0604020202020204" pitchFamily="34" charset="0"/>
                 <a:cs typeface="Arial" panose="020B0604020202020204" pitchFamily="34" charset="0"/>
               </a:rPr>
               <a:t>Damper</a:t>
             </a:r>
-            <a:endParaRPr lang="en-US" sz="900" dirty="0">
-              <a:latin typeface="Arial" panose="020B0604020202020204" pitchFamily="34" charset="0"/>
-              <a:cs typeface="Arial" panose="020B0604020202020204" pitchFamily="34" charset="0"/>
-            </a:endParaRPr>
           </a:p>
         </p:txBody>
       </p:sp>
@@ -3871,16 +3855,12 @@
           <a:lstStyle/>
           <a:p>
             <a:r>
-              <a:rPr lang="en-US" sz="900" dirty="0" smtClean="0">
+              <a:rPr lang="en-US" sz="900" dirty="0">
                 <a:latin typeface="Arial" panose="020B0604020202020204" pitchFamily="34" charset="0"/>
                 <a:cs typeface="Arial" panose="020B0604020202020204" pitchFamily="34" charset="0"/>
               </a:rPr>
               <a:t>Throttle Unit</a:t>
             </a:r>
-            <a:endParaRPr lang="en-US" sz="900" dirty="0">
-              <a:latin typeface="Arial" panose="020B0604020202020204" pitchFamily="34" charset="0"/>
-              <a:cs typeface="Arial" panose="020B0604020202020204" pitchFamily="34" charset="0"/>
-            </a:endParaRPr>
           </a:p>
         </p:txBody>
       </p:sp>
@@ -4428,16 +4408,12 @@
           <a:lstStyle/>
           <a:p>
             <a:r>
-              <a:rPr lang="en-US" sz="1200" b="1" dirty="0" smtClean="0">
+              <a:rPr lang="en-US" sz="1200" b="1" dirty="0">
                 <a:latin typeface="Arial" panose="020B0604020202020204" pitchFamily="34" charset="0"/>
                 <a:cs typeface="Arial" panose="020B0604020202020204" pitchFamily="34" charset="0"/>
               </a:rPr>
               <a:t>Step 4: Fix the damper rod’s end to the pedal arm</a:t>
             </a:r>
-            <a:endParaRPr lang="en-US" sz="1200" b="1" dirty="0">
-              <a:latin typeface="Arial" panose="020B0604020202020204" pitchFamily="34" charset="0"/>
-              <a:cs typeface="Arial" panose="020B0604020202020204" pitchFamily="34" charset="0"/>
-            </a:endParaRPr>
           </a:p>
         </p:txBody>
       </p:sp>
@@ -4713,16 +4689,12 @@
           <a:lstStyle/>
           <a:p>
             <a:r>
-              <a:rPr lang="en-US" sz="1200" b="1" dirty="0" smtClean="0">
+              <a:rPr lang="en-US" sz="1200" b="1" dirty="0">
                 <a:latin typeface="Arial" panose="020B0604020202020204" pitchFamily="34" charset="0"/>
                 <a:cs typeface="Arial" panose="020B0604020202020204" pitchFamily="34" charset="0"/>
               </a:rPr>
               <a:t>Step 5: Adjust the damper</a:t>
             </a:r>
-            <a:endParaRPr lang="en-US" sz="1200" b="1" dirty="0">
-              <a:latin typeface="Arial" panose="020B0604020202020204" pitchFamily="34" charset="0"/>
-              <a:cs typeface="Arial" panose="020B0604020202020204" pitchFamily="34" charset="0"/>
-            </a:endParaRPr>
           </a:p>
         </p:txBody>
       </p:sp>
@@ -4849,19 +4821,8 @@
                 <a:latin typeface="Arial" panose="020B0604020202020204" pitchFamily="34" charset="0"/>
                 <a:cs typeface="Arial" panose="020B0604020202020204" pitchFamily="34" charset="0"/>
               </a:rPr>
-              <a:t>Step </a:t>
-            </a:r>
-            <a:r>
-              <a:rPr lang="en-US" sz="1200" b="1" dirty="0" smtClean="0">
-                <a:latin typeface="Arial" panose="020B0604020202020204" pitchFamily="34" charset="0"/>
-                <a:cs typeface="Arial" panose="020B0604020202020204" pitchFamily="34" charset="0"/>
-              </a:rPr>
-              <a:t>6: Adjust the pedal face</a:t>
-            </a:r>
-            <a:endParaRPr lang="en-US" sz="1200" b="1" dirty="0">
-              <a:latin typeface="Arial" panose="020B0604020202020204" pitchFamily="34" charset="0"/>
-              <a:cs typeface="Arial" panose="020B0604020202020204" pitchFamily="34" charset="0"/>
-            </a:endParaRPr>
+              <a:t>Step 6: Adjust the pedal face</a:t>
+            </a:r>
           </a:p>
         </p:txBody>
       </p:sp>
@@ -4999,19 +4960,8 @@
                 <a:latin typeface="Arial" panose="020B0604020202020204" pitchFamily="34" charset="0"/>
                 <a:cs typeface="Arial" panose="020B0604020202020204" pitchFamily="34" charset="0"/>
               </a:rPr>
-              <a:t>Step </a:t>
-            </a:r>
-            <a:r>
-              <a:rPr lang="en-US" sz="900" dirty="0" smtClean="0">
-                <a:latin typeface="Arial" panose="020B0604020202020204" pitchFamily="34" charset="0"/>
-                <a:cs typeface="Arial" panose="020B0604020202020204" pitchFamily="34" charset="0"/>
-              </a:rPr>
-              <a:t>1.1: Remove the grub screw</a:t>
-            </a:r>
-            <a:endParaRPr lang="en-US" sz="900" dirty="0">
-              <a:latin typeface="Arial" panose="020B0604020202020204" pitchFamily="34" charset="0"/>
-              <a:cs typeface="Arial" panose="020B0604020202020204" pitchFamily="34" charset="0"/>
-            </a:endParaRPr>
+              <a:t>Step 1.1: Remove the grub screw</a:t>
+            </a:r>
           </a:p>
         </p:txBody>
       </p:sp>
@@ -5074,19 +5024,8 @@
                 <a:latin typeface="Arial" panose="020B0604020202020204" pitchFamily="34" charset="0"/>
                 <a:cs typeface="Arial" panose="020B0604020202020204" pitchFamily="34" charset="0"/>
               </a:rPr>
-              <a:t>Step 3: </a:t>
-            </a:r>
-            <a:r>
-              <a:rPr lang="en-US" sz="900" dirty="0" smtClean="0">
-                <a:latin typeface="Arial" panose="020B0604020202020204" pitchFamily="34" charset="0"/>
-                <a:cs typeface="Arial" panose="020B0604020202020204" pitchFamily="34" charset="0"/>
-              </a:rPr>
-              <a:t>Remove the spring assembly from the throttle unit</a:t>
-            </a:r>
-            <a:endParaRPr lang="en-US" sz="900" dirty="0">
-              <a:latin typeface="Arial" panose="020B0604020202020204" pitchFamily="34" charset="0"/>
-              <a:cs typeface="Arial" panose="020B0604020202020204" pitchFamily="34" charset="0"/>
-            </a:endParaRPr>
+              <a:t>Step 3: Remove the spring assembly from the throttle unit</a:t>
+            </a:r>
           </a:p>
         </p:txBody>
       </p:sp>
@@ -5112,16 +5051,12 @@
           <a:lstStyle/>
           <a:p>
             <a:r>
-              <a:rPr lang="en-US" sz="900" dirty="0" smtClean="0">
+              <a:rPr lang="en-US" sz="900" dirty="0">
                 <a:latin typeface="Arial" panose="020B0604020202020204" pitchFamily="34" charset="0"/>
                 <a:cs typeface="Arial" panose="020B0604020202020204" pitchFamily="34" charset="0"/>
               </a:rPr>
               <a:t>Install the included spring to the damper to replace the basic spring assembly.</a:t>
             </a:r>
-            <a:endParaRPr lang="en-US" sz="900" dirty="0">
-              <a:latin typeface="Arial" panose="020B0604020202020204" pitchFamily="34" charset="0"/>
-              <a:cs typeface="Arial" panose="020B0604020202020204" pitchFamily="34" charset="0"/>
-            </a:endParaRPr>
           </a:p>
         </p:txBody>
       </p:sp>
@@ -5151,19 +5086,8 @@
                 <a:latin typeface="Arial" panose="020B0604020202020204" pitchFamily="34" charset="0"/>
                 <a:cs typeface="Arial" panose="020B0604020202020204" pitchFamily="34" charset="0"/>
               </a:rPr>
-              <a:t>Twist the damper into the large threaded </a:t>
-            </a:r>
-            <a:r>
-              <a:rPr lang="en-US" sz="900" dirty="0" smtClean="0">
-                <a:latin typeface="Arial" panose="020B0604020202020204" pitchFamily="34" charset="0"/>
-                <a:cs typeface="Arial" panose="020B0604020202020204" pitchFamily="34" charset="0"/>
-              </a:rPr>
-              <a:t>hole</a:t>
-            </a:r>
-            <a:endParaRPr lang="en-US" sz="900" dirty="0">
-              <a:latin typeface="Arial" panose="020B0604020202020204" pitchFamily="34" charset="0"/>
-              <a:cs typeface="Arial" panose="020B0604020202020204" pitchFamily="34" charset="0"/>
-            </a:endParaRPr>
+              <a:t>Twist the damper into the large threaded hole</a:t>
+            </a:r>
           </a:p>
         </p:txBody>
       </p:sp>
@@ -5222,16 +5146,12 @@
           <a:lstStyle/>
           <a:p>
             <a:r>
-              <a:rPr lang="en-US" sz="900" dirty="0" smtClean="0">
+              <a:rPr lang="en-US" sz="900" dirty="0">
                 <a:latin typeface="Arial" panose="020B0604020202020204" pitchFamily="34" charset="0"/>
                 <a:cs typeface="Arial" panose="020B0604020202020204" pitchFamily="34" charset="0"/>
               </a:rPr>
               <a:t>Rotate the damper bracket so that it faces upwards</a:t>
             </a:r>
-            <a:endParaRPr lang="en-US" sz="900" dirty="0">
-              <a:latin typeface="Arial" panose="020B0604020202020204" pitchFamily="34" charset="0"/>
-              <a:cs typeface="Arial" panose="020B0604020202020204" pitchFamily="34" charset="0"/>
-            </a:endParaRPr>
           </a:p>
         </p:txBody>
       </p:sp>
@@ -5290,16 +5210,12 @@
           <a:lstStyle/>
           <a:p>
             <a:r>
-              <a:rPr lang="en-US" sz="900" dirty="0" smtClean="0">
+              <a:rPr lang="en-US" sz="900" dirty="0">
                 <a:latin typeface="Arial" panose="020B0604020202020204" pitchFamily="34" charset="0"/>
                 <a:cs typeface="Arial" panose="020B0604020202020204" pitchFamily="34" charset="0"/>
               </a:rPr>
               <a:t>Insert the damper rod’s end into the hole and tighten with the grub screw</a:t>
             </a:r>
-            <a:endParaRPr lang="en-US" sz="900" dirty="0">
-              <a:latin typeface="Arial" panose="020B0604020202020204" pitchFamily="34" charset="0"/>
-              <a:cs typeface="Arial" panose="020B0604020202020204" pitchFamily="34" charset="0"/>
-            </a:endParaRPr>
           </a:p>
         </p:txBody>
       </p:sp>
@@ -5358,16 +5274,12 @@
           <a:lstStyle/>
           <a:p>
             <a:r>
-              <a:rPr lang="en-US" sz="900" dirty="0" smtClean="0">
+              <a:rPr lang="en-US" sz="900" dirty="0">
                 <a:latin typeface="Arial" panose="020B0604020202020204" pitchFamily="34" charset="0"/>
                 <a:cs typeface="Arial" panose="020B0604020202020204" pitchFamily="34" charset="0"/>
               </a:rPr>
               <a:t>Push the 3D printed adjuster into the cylinder and twist until it touches the damper bracket. Tighten using the grub screw and remove the adjuster.</a:t>
             </a:r>
-            <a:endParaRPr lang="en-US" sz="900" dirty="0">
-              <a:latin typeface="Arial" panose="020B0604020202020204" pitchFamily="34" charset="0"/>
-              <a:cs typeface="Arial" panose="020B0604020202020204" pitchFamily="34" charset="0"/>
-            </a:endParaRPr>
           </a:p>
         </p:txBody>
       </p:sp>
@@ -5430,19 +5342,8 @@
                 <a:latin typeface="Arial" panose="020B0604020202020204" pitchFamily="34" charset="0"/>
                 <a:cs typeface="Arial" panose="020B0604020202020204" pitchFamily="34" charset="0"/>
               </a:rPr>
-              <a:t>Step </a:t>
-            </a:r>
-            <a:r>
-              <a:rPr lang="en-US" sz="900" dirty="0" smtClean="0">
-                <a:latin typeface="Arial" panose="020B0604020202020204" pitchFamily="34" charset="0"/>
-                <a:cs typeface="Arial" panose="020B0604020202020204" pitchFamily="34" charset="0"/>
-              </a:rPr>
-              <a:t>1.2: Loosen the spring preload</a:t>
-            </a:r>
-            <a:endParaRPr lang="en-US" sz="900" dirty="0">
-              <a:latin typeface="Arial" panose="020B0604020202020204" pitchFamily="34" charset="0"/>
-              <a:cs typeface="Arial" panose="020B0604020202020204" pitchFamily="34" charset="0"/>
-            </a:endParaRPr>
+              <a:t>Step 1.2: Loosen the spring preload</a:t>
+            </a:r>
           </a:p>
         </p:txBody>
       </p:sp>
@@ -5501,16 +5402,12 @@
           <a:lstStyle/>
           <a:p>
             <a:r>
-              <a:rPr lang="en-US" sz="900" dirty="0" smtClean="0">
+              <a:rPr lang="en-US" sz="900" dirty="0">
                 <a:latin typeface="Arial" panose="020B0604020202020204" pitchFamily="34" charset="0"/>
                 <a:cs typeface="Arial" panose="020B0604020202020204" pitchFamily="34" charset="0"/>
               </a:rPr>
               <a:t>Loosen the 4 screws on the sides behind the pedal face, choose a suitable pedal height, then tighten.</a:t>
             </a:r>
-            <a:endParaRPr lang="en-US" sz="900" dirty="0">
-              <a:latin typeface="Arial" panose="020B0604020202020204" pitchFamily="34" charset="0"/>
-              <a:cs typeface="Arial" panose="020B0604020202020204" pitchFamily="34" charset="0"/>
-            </a:endParaRPr>
           </a:p>
         </p:txBody>
       </p:sp>
